--- a/assets/graph.pptx
+++ b/assets/graph.pptx
@@ -6,6 +6,7 @@
   </p:sldMasterIdLst>
   <p:sldIdLst>
     <p:sldId id="256" r:id="rId2"/>
+    <p:sldId id="257" r:id="rId3"/>
   </p:sldIdLst>
   <p:sldSz cx="12192000" cy="6858000"/>
   <p:notesSz cx="6858000" cy="9144000"/>
@@ -3423,7 +3424,7 @@
         </p:nvSpPr>
         <p:spPr>
           <a:xfrm>
-            <a:off x="941834" y="484859"/>
+            <a:off x="1022985" y="342680"/>
             <a:ext cx="3566157" cy="523220"/>
           </a:xfrm>
           <a:prstGeom prst="rect">
@@ -4625,7 +4626,7 @@
         </p:nvSpPr>
         <p:spPr>
           <a:xfrm>
-            <a:off x="9708887" y="4230767"/>
+            <a:off x="9708887" y="4671027"/>
             <a:ext cx="1956816" cy="640078"/>
           </a:xfrm>
           <a:prstGeom prst="roundRect">
@@ -4670,10 +4671,480 @@
           </a:p>
         </p:txBody>
       </p:sp>
+      <p:sp>
+        <p:nvSpPr>
+          <p:cNvPr id="38" name="TextBox 37">
+            <a:extLst>
+              <a:ext uri="{FF2B5EF4-FFF2-40B4-BE49-F238E27FC236}">
+                <a16:creationId xmlns:a16="http://schemas.microsoft.com/office/drawing/2014/main" id="{DD888B33-0A07-D801-FB92-0E80BAE8AB43}"/>
+              </a:ext>
+            </a:extLst>
+          </p:cNvPr>
+          <p:cNvSpPr txBox="1"/>
+          <p:nvPr/>
+        </p:nvSpPr>
+        <p:spPr>
+          <a:xfrm>
+            <a:off x="1796793" y="5868077"/>
+            <a:ext cx="1918713" cy="369332"/>
+          </a:xfrm>
+          <a:prstGeom prst="rect">
+            <a:avLst/>
+          </a:prstGeom>
+          <a:noFill/>
+        </p:spPr>
+        <p:txBody>
+          <a:bodyPr wrap="square" rtlCol="0">
+            <a:spAutoFit/>
+          </a:bodyPr>
+          <a:lstStyle/>
+          <a:p>
+            <a:pPr algn="ctr"/>
+            <a:r>
+              <a:rPr lang="en-US" dirty="0">
+                <a:latin typeface="Times New Roman" panose="02020603050405020304" pitchFamily="18" charset="0"/>
+                <a:cs typeface="Times New Roman" panose="02020603050405020304" pitchFamily="18" charset="0"/>
+              </a:rPr>
+              <a:t>Data Management</a:t>
+            </a:r>
+          </a:p>
+        </p:txBody>
+      </p:sp>
+      <p:sp>
+        <p:nvSpPr>
+          <p:cNvPr id="39" name="TextBox 38">
+            <a:extLst>
+              <a:ext uri="{FF2B5EF4-FFF2-40B4-BE49-F238E27FC236}">
+                <a16:creationId xmlns:a16="http://schemas.microsoft.com/office/drawing/2014/main" id="{ADAC3326-4EB1-D852-129C-3866D02CCD62}"/>
+              </a:ext>
+            </a:extLst>
+          </p:cNvPr>
+          <p:cNvSpPr txBox="1"/>
+          <p:nvPr/>
+        </p:nvSpPr>
+        <p:spPr>
+          <a:xfrm>
+            <a:off x="102110" y="635282"/>
+            <a:ext cx="1918713" cy="369332"/>
+          </a:xfrm>
+          <a:prstGeom prst="rect">
+            <a:avLst/>
+          </a:prstGeom>
+          <a:noFill/>
+        </p:spPr>
+        <p:txBody>
+          <a:bodyPr wrap="square" rtlCol="0">
+            <a:spAutoFit/>
+          </a:bodyPr>
+          <a:lstStyle/>
+          <a:p>
+            <a:pPr algn="ctr"/>
+            <a:r>
+              <a:rPr lang="en-US" dirty="0">
+                <a:latin typeface="Times New Roman" panose="02020603050405020304" pitchFamily="18" charset="0"/>
+                <a:cs typeface="Times New Roman" panose="02020603050405020304" pitchFamily="18" charset="0"/>
+              </a:rPr>
+              <a:t>Services</a:t>
+            </a:r>
+          </a:p>
+        </p:txBody>
+      </p:sp>
+      <p:sp>
+        <p:nvSpPr>
+          <p:cNvPr id="40" name="Rectangle: Rounded Corners 39">
+            <a:extLst>
+              <a:ext uri="{FF2B5EF4-FFF2-40B4-BE49-F238E27FC236}">
+                <a16:creationId xmlns:a16="http://schemas.microsoft.com/office/drawing/2014/main" id="{E738EFEB-1339-163D-6B8F-71B3362165E5}"/>
+              </a:ext>
+            </a:extLst>
+          </p:cNvPr>
+          <p:cNvSpPr/>
+          <p:nvPr/>
+        </p:nvSpPr>
+        <p:spPr>
+          <a:xfrm>
+            <a:off x="9708887" y="3696732"/>
+            <a:ext cx="1956816" cy="640078"/>
+          </a:xfrm>
+          <a:prstGeom prst="roundRect">
+            <a:avLst/>
+          </a:prstGeom>
+          <a:ln>
+            <a:noFill/>
+          </a:ln>
+        </p:spPr>
+        <p:style>
+          <a:lnRef idx="2">
+            <a:schemeClr val="accent1">
+              <a:shade val="15000"/>
+            </a:schemeClr>
+          </a:lnRef>
+          <a:fillRef idx="1">
+            <a:schemeClr val="accent1"/>
+          </a:fillRef>
+          <a:effectRef idx="0">
+            <a:schemeClr val="accent1"/>
+          </a:effectRef>
+          <a:fontRef idx="minor">
+            <a:schemeClr val="lt1"/>
+          </a:fontRef>
+        </p:style>
+        <p:txBody>
+          <a:bodyPr rtlCol="0" anchor="ctr"/>
+          <a:lstStyle/>
+          <a:p>
+            <a:pPr algn="ctr"/>
+            <a:r>
+              <a:rPr lang="en-US" sz="2000" dirty="0">
+                <a:latin typeface="Times New Roman" panose="02020603050405020304" pitchFamily="18" charset="0"/>
+                <a:cs typeface="Times New Roman" panose="02020603050405020304" pitchFamily="18" charset="0"/>
+              </a:rPr>
+              <a:t>Google Earth</a:t>
+            </a:r>
+          </a:p>
+        </p:txBody>
+      </p:sp>
     </p:spTree>
     <p:extLst>
       <p:ext uri="{BB962C8B-B14F-4D97-AF65-F5344CB8AC3E}">
         <p14:creationId xmlns:p14="http://schemas.microsoft.com/office/powerpoint/2010/main" val="3296435059"/>
+      </p:ext>
+    </p:extLst>
+  </p:cSld>
+  <p:clrMapOvr>
+    <a:masterClrMapping/>
+  </p:clrMapOvr>
+</p:sld>
+</file>
+
+<file path=ppt/slides/slide2.xml><?xml version="1.0" encoding="utf-8"?>
+<p:sld xmlns:a="http://schemas.openxmlformats.org/drawingml/2006/main" xmlns:r="http://schemas.openxmlformats.org/officeDocument/2006/relationships" xmlns:p="http://schemas.openxmlformats.org/presentationml/2006/main">
+  <p:cSld>
+    <p:spTree>
+      <p:nvGrpSpPr>
+        <p:cNvPr id="1" name=""/>
+        <p:cNvGrpSpPr/>
+        <p:nvPr/>
+      </p:nvGrpSpPr>
+      <p:grpSpPr>
+        <a:xfrm>
+          <a:off x="0" y="0"/>
+          <a:ext cx="0" cy="0"/>
+          <a:chOff x="0" y="0"/>
+          <a:chExt cx="0" cy="0"/>
+        </a:xfrm>
+      </p:grpSpPr>
+      <p:sp>
+        <p:nvSpPr>
+          <p:cNvPr id="7" name="Oval 6">
+            <a:extLst>
+              <a:ext uri="{FF2B5EF4-FFF2-40B4-BE49-F238E27FC236}">
+                <a16:creationId xmlns:a16="http://schemas.microsoft.com/office/drawing/2014/main" id="{2F83296F-8698-8333-F5F9-F845FF2BFA3A}"/>
+              </a:ext>
+            </a:extLst>
+          </p:cNvPr>
+          <p:cNvSpPr/>
+          <p:nvPr/>
+        </p:nvSpPr>
+        <p:spPr>
+          <a:xfrm>
+            <a:off x="4466084" y="3429000"/>
+            <a:ext cx="2202180" cy="2206752"/>
+          </a:xfrm>
+          <a:prstGeom prst="ellipse">
+            <a:avLst/>
+          </a:prstGeom>
+          <a:solidFill>
+            <a:schemeClr val="accent1"/>
+          </a:solidFill>
+        </p:spPr>
+        <p:style>
+          <a:lnRef idx="2">
+            <a:schemeClr val="accent1">
+              <a:shade val="15000"/>
+            </a:schemeClr>
+          </a:lnRef>
+          <a:fillRef idx="1">
+            <a:schemeClr val="accent1"/>
+          </a:fillRef>
+          <a:effectRef idx="0">
+            <a:schemeClr val="accent1"/>
+          </a:effectRef>
+          <a:fontRef idx="minor">
+            <a:schemeClr val="lt1"/>
+          </a:fontRef>
+        </p:style>
+        <p:txBody>
+          <a:bodyPr rtlCol="0" anchor="ctr"/>
+          <a:lstStyle/>
+          <a:p>
+            <a:pPr algn="ctr"/>
+            <a:r>
+              <a:rPr lang="en-US" sz="2000" dirty="0">
+                <a:solidFill>
+                  <a:schemeClr val="bg1">
+                    <a:lumMod val="75000"/>
+                  </a:schemeClr>
+                </a:solidFill>
+                <a:latin typeface="Times New Roman" panose="02020603050405020304" pitchFamily="18" charset="0"/>
+                <a:cs typeface="Times New Roman" panose="02020603050405020304" pitchFamily="18" charset="0"/>
+              </a:rPr>
+              <a:t>GIS</a:t>
+            </a:r>
+          </a:p>
+          <a:p>
+            <a:pPr algn="ctr"/>
+            <a:r>
+              <a:rPr lang="en-US" sz="2000" dirty="0">
+                <a:latin typeface="Times New Roman" panose="02020603050405020304" pitchFamily="18" charset="0"/>
+                <a:cs typeface="Times New Roman" panose="02020603050405020304" pitchFamily="18" charset="0"/>
+              </a:rPr>
+              <a:t>vector, raster, wkt, espg, wms, wfs, geojson..</a:t>
+            </a:r>
+          </a:p>
+        </p:txBody>
+      </p:sp>
+      <p:sp>
+        <p:nvSpPr>
+          <p:cNvPr id="6" name="Oval 5">
+            <a:extLst>
+              <a:ext uri="{FF2B5EF4-FFF2-40B4-BE49-F238E27FC236}">
+                <a16:creationId xmlns:a16="http://schemas.microsoft.com/office/drawing/2014/main" id="{7F8C8F07-B1BB-AC0D-316C-FE0414AD1AA1}"/>
+              </a:ext>
+            </a:extLst>
+          </p:cNvPr>
+          <p:cNvSpPr/>
+          <p:nvPr/>
+        </p:nvSpPr>
+        <p:spPr>
+          <a:xfrm>
+            <a:off x="3201166" y="862584"/>
+            <a:ext cx="2202180" cy="2206752"/>
+          </a:xfrm>
+          <a:prstGeom prst="ellipse">
+            <a:avLst/>
+          </a:prstGeom>
+          <a:solidFill>
+            <a:schemeClr val="accent1"/>
+          </a:solidFill>
+        </p:spPr>
+        <p:style>
+          <a:lnRef idx="2">
+            <a:schemeClr val="accent1">
+              <a:shade val="15000"/>
+            </a:schemeClr>
+          </a:lnRef>
+          <a:fillRef idx="1">
+            <a:schemeClr val="accent1"/>
+          </a:fillRef>
+          <a:effectRef idx="0">
+            <a:schemeClr val="accent1"/>
+          </a:effectRef>
+          <a:fontRef idx="minor">
+            <a:schemeClr val="lt1"/>
+          </a:fontRef>
+        </p:style>
+        <p:txBody>
+          <a:bodyPr rtlCol="0" anchor="ctr"/>
+          <a:lstStyle/>
+          <a:p>
+            <a:pPr algn="ctr"/>
+            <a:r>
+              <a:rPr lang="en-US" sz="2000" dirty="0">
+                <a:solidFill>
+                  <a:schemeClr val="bg1">
+                    <a:lumMod val="75000"/>
+                  </a:schemeClr>
+                </a:solidFill>
+                <a:latin typeface="Times New Roman" panose="02020603050405020304" pitchFamily="18" charset="0"/>
+                <a:cs typeface="Times New Roman" panose="02020603050405020304" pitchFamily="18" charset="0"/>
+              </a:rPr>
+              <a:t>Web</a:t>
+            </a:r>
+          </a:p>
+          <a:p>
+            <a:pPr algn="ctr"/>
+            <a:r>
+              <a:rPr lang="en-US" sz="2000" dirty="0">
+                <a:latin typeface="Times New Roman" panose="02020603050405020304" pitchFamily="18" charset="0"/>
+                <a:cs typeface="Times New Roman" panose="02020603050405020304" pitchFamily="18" charset="0"/>
+              </a:rPr>
+              <a:t>Html, div, css, js, ajax, json, jquery, vue, react..</a:t>
+            </a:r>
+          </a:p>
+        </p:txBody>
+      </p:sp>
+      <p:sp>
+        <p:nvSpPr>
+          <p:cNvPr id="5" name="Oval 4">
+            <a:extLst>
+              <a:ext uri="{FF2B5EF4-FFF2-40B4-BE49-F238E27FC236}">
+                <a16:creationId xmlns:a16="http://schemas.microsoft.com/office/drawing/2014/main" id="{9435F4B9-3F48-2825-830A-F60E4A307EF1}"/>
+              </a:ext>
+            </a:extLst>
+          </p:cNvPr>
+          <p:cNvSpPr/>
+          <p:nvPr/>
+        </p:nvSpPr>
+        <p:spPr>
+          <a:xfrm>
+            <a:off x="5731002" y="862584"/>
+            <a:ext cx="2202180" cy="2206752"/>
+          </a:xfrm>
+          <a:prstGeom prst="ellipse">
+            <a:avLst/>
+          </a:prstGeom>
+          <a:solidFill>
+            <a:schemeClr val="accent1"/>
+          </a:solidFill>
+        </p:spPr>
+        <p:style>
+          <a:lnRef idx="2">
+            <a:schemeClr val="accent1">
+              <a:shade val="15000"/>
+            </a:schemeClr>
+          </a:lnRef>
+          <a:fillRef idx="1">
+            <a:schemeClr val="accent1"/>
+          </a:fillRef>
+          <a:effectRef idx="0">
+            <a:schemeClr val="accent1"/>
+          </a:effectRef>
+          <a:fontRef idx="minor">
+            <a:schemeClr val="lt1"/>
+          </a:fontRef>
+        </p:style>
+        <p:txBody>
+          <a:bodyPr rtlCol="0" anchor="ctr"/>
+          <a:lstStyle/>
+          <a:p>
+            <a:pPr algn="ctr"/>
+            <a:r>
+              <a:rPr lang="en-US" sz="2000" dirty="0">
+                <a:solidFill>
+                  <a:schemeClr val="bg1">
+                    <a:lumMod val="75000"/>
+                  </a:schemeClr>
+                </a:solidFill>
+                <a:latin typeface="Times New Roman" panose="02020603050405020304" pitchFamily="18" charset="0"/>
+                <a:cs typeface="Times New Roman" panose="02020603050405020304" pitchFamily="18" charset="0"/>
+              </a:rPr>
+              <a:t>Graphics</a:t>
+            </a:r>
+          </a:p>
+          <a:p>
+            <a:pPr algn="ctr"/>
+            <a:r>
+              <a:rPr lang="en-US" sz="2000" dirty="0">
+                <a:latin typeface="Times New Roman" panose="02020603050405020304" pitchFamily="18" charset="0"/>
+                <a:cs typeface="Times New Roman" panose="02020603050405020304" pitchFamily="18" charset="0"/>
+              </a:rPr>
+              <a:t>Vertex</a:t>
+            </a:r>
+          </a:p>
+          <a:p>
+            <a:pPr algn="ctr"/>
+            <a:r>
+              <a:rPr lang="en-US" sz="2000" dirty="0">
+                <a:latin typeface="Times New Roman" panose="02020603050405020304" pitchFamily="18" charset="0"/>
+                <a:cs typeface="Times New Roman" panose="02020603050405020304" pitchFamily="18" charset="0"/>
+              </a:rPr>
+              <a:t>Normal</a:t>
+            </a:r>
+          </a:p>
+          <a:p>
+            <a:pPr algn="ctr"/>
+            <a:r>
+              <a:rPr lang="en-US" sz="2000" dirty="0">
+                <a:latin typeface="Times New Roman" panose="02020603050405020304" pitchFamily="18" charset="0"/>
+                <a:cs typeface="Times New Roman" panose="02020603050405020304" pitchFamily="18" charset="0"/>
+              </a:rPr>
+              <a:t>Texture</a:t>
+            </a:r>
+          </a:p>
+          <a:p>
+            <a:pPr algn="ctr"/>
+            <a:r>
+              <a:rPr lang="en-US" sz="2000" dirty="0">
+                <a:latin typeface="Times New Roman" panose="02020603050405020304" pitchFamily="18" charset="0"/>
+                <a:cs typeface="Times New Roman" panose="02020603050405020304" pitchFamily="18" charset="0"/>
+              </a:rPr>
+              <a:t>Material</a:t>
+            </a:r>
+          </a:p>
+          <a:p>
+            <a:pPr algn="ctr"/>
+            <a:r>
+              <a:rPr lang="en-US" sz="2000" dirty="0">
+                <a:latin typeface="Times New Roman" panose="02020603050405020304" pitchFamily="18" charset="0"/>
+                <a:cs typeface="Times New Roman" panose="02020603050405020304" pitchFamily="18" charset="0"/>
+              </a:rPr>
+              <a:t>Shader..</a:t>
+            </a:r>
+          </a:p>
+        </p:txBody>
+      </p:sp>
+      <p:sp>
+        <p:nvSpPr>
+          <p:cNvPr id="4" name="Oval 3">
+            <a:extLst>
+              <a:ext uri="{FF2B5EF4-FFF2-40B4-BE49-F238E27FC236}">
+                <a16:creationId xmlns:a16="http://schemas.microsoft.com/office/drawing/2014/main" id="{3A939C14-CF19-38EE-A423-E0C30B7E9EE7}"/>
+              </a:ext>
+            </a:extLst>
+          </p:cNvPr>
+          <p:cNvSpPr/>
+          <p:nvPr/>
+        </p:nvSpPr>
+        <p:spPr>
+          <a:xfrm>
+            <a:off x="4831082" y="2249424"/>
+            <a:ext cx="1472184" cy="1463040"/>
+          </a:xfrm>
+          <a:prstGeom prst="ellipse">
+            <a:avLst/>
+          </a:prstGeom>
+          <a:solidFill>
+            <a:schemeClr val="accent2">
+              <a:lumMod val="75000"/>
+            </a:schemeClr>
+          </a:solidFill>
+        </p:spPr>
+        <p:style>
+          <a:lnRef idx="2">
+            <a:schemeClr val="accent1">
+              <a:shade val="15000"/>
+            </a:schemeClr>
+          </a:lnRef>
+          <a:fillRef idx="1">
+            <a:schemeClr val="accent1"/>
+          </a:fillRef>
+          <a:effectRef idx="0">
+            <a:schemeClr val="accent1"/>
+          </a:effectRef>
+          <a:fontRef idx="minor">
+            <a:schemeClr val="lt1"/>
+          </a:fontRef>
+        </p:style>
+        <p:txBody>
+          <a:bodyPr rtlCol="0" anchor="ctr"/>
+          <a:lstStyle/>
+          <a:p>
+            <a:pPr algn="ctr"/>
+            <a:r>
+              <a:rPr lang="en-US" sz="2000" dirty="0">
+                <a:latin typeface="Times New Roman" panose="02020603050405020304" pitchFamily="18" charset="0"/>
+                <a:cs typeface="Times New Roman" panose="02020603050405020304" pitchFamily="18" charset="0"/>
+              </a:rPr>
+              <a:t>Cesium</a:t>
+            </a:r>
+          </a:p>
+        </p:txBody>
+      </p:sp>
+    </p:spTree>
+    <p:extLst>
+      <p:ext uri="{BB962C8B-B14F-4D97-AF65-F5344CB8AC3E}">
+        <p14:creationId xmlns:p14="http://schemas.microsoft.com/office/powerpoint/2010/main" val="175392332"/>
       </p:ext>
     </p:extLst>
   </p:cSld>
